--- a/파이썬 과제/파이썬 4강 과제 남정현.pptx
+++ b/파이썬 과제/파이썬 4강 과제 남정현.pptx
@@ -14,6 +14,8 @@
     <p:sldId id="262" r:id="rId8"/>
     <p:sldId id="263" r:id="rId9"/>
     <p:sldId id="264" r:id="rId10"/>
+    <p:sldId id="265" r:id="rId11"/>
+    <p:sldId id="266" r:id="rId12"/>
   </p:sldIdLst>
   <p:sldSz cx="12192000" cy="6858000"/>
   <p:notesSz cx="6858000" cy="9144000"/>
@@ -112,7 +114,142 @@
       </a:defRPr>
     </a:lvl9pPr>
   </p:defaultTextStyle>
+  <p:extLst>
+    <p:ext uri="{EFAFB233-063F-42B5-8137-9DF3F51BA10A}">
+      <p15:sldGuideLst xmlns:p15="http://schemas.microsoft.com/office/powerpoint/2012/main"/>
+    </p:ext>
+  </p:extLst>
 </p:presentation>
+</file>
+
+<file path=ppt/revisionInfo.xml><?xml version="1.0" encoding="utf-8"?>
+<p1510:revInfo xmlns:a="http://schemas.openxmlformats.org/drawingml/2006/main" xmlns:r="http://schemas.openxmlformats.org/officeDocument/2006/relationships" xmlns:p1510="http://schemas.microsoft.com/office/powerpoint/2015/10/main">
+  <p1510:revLst>
+    <p1510:client id="{17A4957C-2BE3-41C4-AD6B-0DCDFA5D5982}" v="3" dt="2023-04-25T14:28:11.701"/>
+  </p1510:revLst>
+</p1510:revInfo>
+</file>
+
+<file path=ppt/changesInfos/changesInfo1.xml><?xml version="1.0" encoding="utf-8"?>
+<pc:chgInfo xmlns:a="http://schemas.openxmlformats.org/drawingml/2006/main" xmlns:r="http://schemas.openxmlformats.org/officeDocument/2006/relationships" xmlns:ac="http://schemas.microsoft.com/office/drawing/2013/main/command" xmlns:pc="http://schemas.microsoft.com/office/powerpoint/2013/main/command">
+  <pc:docChgLst>
+    <pc:chgData name="남 정현" userId="42c87c46deb7f138" providerId="LiveId" clId="{17A4957C-2BE3-41C4-AD6B-0DCDFA5D5982}"/>
+    <pc:docChg chg="custSel addSld delSld modSld">
+      <pc:chgData name="남 정현" userId="42c87c46deb7f138" providerId="LiveId" clId="{17A4957C-2BE3-41C4-AD6B-0DCDFA5D5982}" dt="2023-04-25T14:55:01.779" v="43" actId="2696"/>
+      <pc:docMkLst>
+        <pc:docMk/>
+      </pc:docMkLst>
+      <pc:sldChg chg="addSp modSp mod">
+        <pc:chgData name="남 정현" userId="42c87c46deb7f138" providerId="LiveId" clId="{17A4957C-2BE3-41C4-AD6B-0DCDFA5D5982}" dt="2023-04-25T14:27:54.547" v="8" actId="1076"/>
+        <pc:sldMkLst>
+          <pc:docMk/>
+          <pc:sldMk cId="1684134639" sldId="264"/>
+        </pc:sldMkLst>
+        <pc:picChg chg="add mod">
+          <ac:chgData name="남 정현" userId="42c87c46deb7f138" providerId="LiveId" clId="{17A4957C-2BE3-41C4-AD6B-0DCDFA5D5982}" dt="2023-04-25T14:25:03.753" v="2" actId="14100"/>
+          <ac:picMkLst>
+            <pc:docMk/>
+            <pc:sldMk cId="1684134639" sldId="264"/>
+            <ac:picMk id="5" creationId="{077F945D-C0BA-D9D5-B0E5-862E68F0620F}"/>
+          </ac:picMkLst>
+        </pc:picChg>
+        <pc:picChg chg="add mod">
+          <ac:chgData name="남 정현" userId="42c87c46deb7f138" providerId="LiveId" clId="{17A4957C-2BE3-41C4-AD6B-0DCDFA5D5982}" dt="2023-04-25T14:27:54.547" v="8" actId="1076"/>
+          <ac:picMkLst>
+            <pc:docMk/>
+            <pc:sldMk cId="1684134639" sldId="264"/>
+            <ac:picMk id="8" creationId="{B2D91F79-0F3F-9A92-5123-95361A763623}"/>
+          </ac:picMkLst>
+        </pc:picChg>
+      </pc:sldChg>
+      <pc:sldChg chg="addSp delSp modSp add mod">
+        <pc:chgData name="남 정현" userId="42c87c46deb7f138" providerId="LiveId" clId="{17A4957C-2BE3-41C4-AD6B-0DCDFA5D5982}" dt="2023-04-25T14:41:30.545" v="28" actId="1076"/>
+        <pc:sldMkLst>
+          <pc:docMk/>
+          <pc:sldMk cId="4161563433" sldId="265"/>
+        </pc:sldMkLst>
+        <pc:picChg chg="del">
+          <ac:chgData name="남 정현" userId="42c87c46deb7f138" providerId="LiveId" clId="{17A4957C-2BE3-41C4-AD6B-0DCDFA5D5982}" dt="2023-04-25T14:28:05.355" v="13" actId="21"/>
+          <ac:picMkLst>
+            <pc:docMk/>
+            <pc:sldMk cId="4161563433" sldId="265"/>
+            <ac:picMk id="4" creationId="{E0FC560E-A285-A389-F092-F923BE614EBA}"/>
+          </ac:picMkLst>
+        </pc:picChg>
+        <pc:picChg chg="del">
+          <ac:chgData name="남 정현" userId="42c87c46deb7f138" providerId="LiveId" clId="{17A4957C-2BE3-41C4-AD6B-0DCDFA5D5982}" dt="2023-04-25T14:28:03.195" v="10" actId="21"/>
+          <ac:picMkLst>
+            <pc:docMk/>
+            <pc:sldMk cId="4161563433" sldId="265"/>
+            <ac:picMk id="5" creationId="{077F945D-C0BA-D9D5-B0E5-862E68F0620F}"/>
+          </ac:picMkLst>
+        </pc:picChg>
+        <pc:picChg chg="add mod">
+          <ac:chgData name="남 정현" userId="42c87c46deb7f138" providerId="LiveId" clId="{17A4957C-2BE3-41C4-AD6B-0DCDFA5D5982}" dt="2023-04-25T14:41:30.545" v="28" actId="1076"/>
+          <ac:picMkLst>
+            <pc:docMk/>
+            <pc:sldMk cId="4161563433" sldId="265"/>
+            <ac:picMk id="6" creationId="{401B08D0-5B62-2293-8693-CBB9BE5C028B}"/>
+          </ac:picMkLst>
+        </pc:picChg>
+        <pc:picChg chg="del">
+          <ac:chgData name="남 정현" userId="42c87c46deb7f138" providerId="LiveId" clId="{17A4957C-2BE3-41C4-AD6B-0DCDFA5D5982}" dt="2023-04-25T14:28:04.470" v="12" actId="21"/>
+          <ac:picMkLst>
+            <pc:docMk/>
+            <pc:sldMk cId="4161563433" sldId="265"/>
+            <ac:picMk id="7" creationId="{0DF77B9D-9F4D-4A73-6539-3BE14CDEC036}"/>
+          </ac:picMkLst>
+        </pc:picChg>
+        <pc:picChg chg="del">
+          <ac:chgData name="남 정현" userId="42c87c46deb7f138" providerId="LiveId" clId="{17A4957C-2BE3-41C4-AD6B-0DCDFA5D5982}" dt="2023-04-25T14:28:03.958" v="11" actId="21"/>
+          <ac:picMkLst>
+            <pc:docMk/>
+            <pc:sldMk cId="4161563433" sldId="265"/>
+            <ac:picMk id="8" creationId="{B2D91F79-0F3F-9A92-5123-95361A763623}"/>
+          </ac:picMkLst>
+        </pc:picChg>
+        <pc:picChg chg="add mod">
+          <ac:chgData name="남 정현" userId="42c87c46deb7f138" providerId="LiveId" clId="{17A4957C-2BE3-41C4-AD6B-0DCDFA5D5982}" dt="2023-04-25T14:41:23.697" v="27" actId="1076"/>
+          <ac:picMkLst>
+            <pc:docMk/>
+            <pc:sldMk cId="4161563433" sldId="265"/>
+            <ac:picMk id="10" creationId="{1309D0D1-0176-78A1-A150-DF77BBEBCD9A}"/>
+          </ac:picMkLst>
+        </pc:picChg>
+      </pc:sldChg>
+      <pc:sldChg chg="addSp modSp add mod">
+        <pc:chgData name="남 정현" userId="42c87c46deb7f138" providerId="LiveId" clId="{17A4957C-2BE3-41C4-AD6B-0DCDFA5D5982}" dt="2023-04-25T14:54:57.035" v="42" actId="20577"/>
+        <pc:sldMkLst>
+          <pc:docMk/>
+          <pc:sldMk cId="492334683" sldId="266"/>
+        </pc:sldMkLst>
+        <pc:spChg chg="mod">
+          <ac:chgData name="남 정현" userId="42c87c46deb7f138" providerId="LiveId" clId="{17A4957C-2BE3-41C4-AD6B-0DCDFA5D5982}" dt="2023-04-25T14:54:57.035" v="42" actId="20577"/>
+          <ac:spMkLst>
+            <pc:docMk/>
+            <pc:sldMk cId="492334683" sldId="266"/>
+            <ac:spMk id="2" creationId="{67B75753-0105-56BB-A215-DDC75658F359}"/>
+          </ac:spMkLst>
+        </pc:spChg>
+        <pc:picChg chg="add">
+          <ac:chgData name="남 정현" userId="42c87c46deb7f138" providerId="LiveId" clId="{17A4957C-2BE3-41C4-AD6B-0DCDFA5D5982}" dt="2023-04-25T14:54:48.345" v="29" actId="22"/>
+          <ac:picMkLst>
+            <pc:docMk/>
+            <pc:sldMk cId="492334683" sldId="266"/>
+            <ac:picMk id="4" creationId="{C4BCA3BD-A26A-0AB8-7AC8-3DA4C7A748B5}"/>
+          </ac:picMkLst>
+        </pc:picChg>
+      </pc:sldChg>
+      <pc:sldChg chg="add del">
+        <pc:chgData name="남 정현" userId="42c87c46deb7f138" providerId="LiveId" clId="{17A4957C-2BE3-41C4-AD6B-0DCDFA5D5982}" dt="2023-04-25T14:55:01.779" v="43" actId="2696"/>
+        <pc:sldMkLst>
+          <pc:docMk/>
+          <pc:sldMk cId="3705819260" sldId="267"/>
+        </pc:sldMkLst>
+      </pc:sldChg>
+    </pc:docChg>
+  </pc:docChgLst>
+</pc:chgInfo>
 </file>
 
 <file path=ppt/slideLayouts/slideLayout1.xml><?xml version="1.0" encoding="utf-8"?>
@@ -3848,6 +3985,243 @@
 </p:sld>
 </file>
 
+<file path=ppt/slides/slide10.xml><?xml version="1.0" encoding="utf-8"?>
+<p:sld xmlns:a="http://schemas.openxmlformats.org/drawingml/2006/main" xmlns:r="http://schemas.openxmlformats.org/officeDocument/2006/relationships" xmlns:p="http://schemas.openxmlformats.org/presentationml/2006/main">
+  <p:cSld>
+    <p:spTree>
+      <p:nvGrpSpPr>
+        <p:cNvPr id="1" name=""/>
+        <p:cNvGrpSpPr/>
+        <p:nvPr/>
+      </p:nvGrpSpPr>
+      <p:grpSpPr>
+        <a:xfrm>
+          <a:off x="0" y="0"/>
+          <a:ext cx="0" cy="0"/>
+          <a:chOff x="0" y="0"/>
+          <a:chExt cx="0" cy="0"/>
+        </a:xfrm>
+      </p:grpSpPr>
+      <p:sp>
+        <p:nvSpPr>
+          <p:cNvPr id="2" name="제목 1">
+            <a:extLst>
+              <a:ext uri="{FF2B5EF4-FFF2-40B4-BE49-F238E27FC236}">
+                <a16:creationId xmlns:a16="http://schemas.microsoft.com/office/drawing/2014/main" id="{67B75753-0105-56BB-A215-DDC75658F359}"/>
+              </a:ext>
+            </a:extLst>
+          </p:cNvPr>
+          <p:cNvSpPr>
+            <a:spLocks noGrp="1"/>
+          </p:cNvSpPr>
+          <p:nvPr>
+            <p:ph type="title"/>
+          </p:nvPr>
+        </p:nvSpPr>
+        <p:spPr>
+          <a:xfrm>
+            <a:off x="698938" y="0"/>
+            <a:ext cx="9601200" cy="522890"/>
+          </a:xfrm>
+        </p:spPr>
+        <p:txBody>
+          <a:bodyPr>
+            <a:normAutofit/>
+          </a:bodyPr>
+          <a:lstStyle/>
+          <a:p>
+            <a:r>
+              <a:rPr lang="ko-KR" altLang="en-US" sz="1600" dirty="0" err="1"/>
+              <a:t>형변환</a:t>
+            </a:r>
+            <a:r>
+              <a:rPr lang="ko-KR" altLang="en-US" sz="1600" dirty="0"/>
+              <a:t> </a:t>
+            </a:r>
+            <a:r>
+              <a:rPr lang="en-US" altLang="ko-KR" sz="1600" dirty="0"/>
+              <a:t>– </a:t>
+            </a:r>
+            <a:r>
+              <a:rPr lang="ko-KR" altLang="en-US" sz="1600" dirty="0"/>
+              <a:t>숫자 </a:t>
+            </a:r>
+            <a:r>
+              <a:rPr lang="ko-KR" altLang="en-US" sz="1600" dirty="0" err="1"/>
+              <a:t>형변환</a:t>
+            </a:r>
+            <a:endParaRPr lang="ko-KR" altLang="en-US" sz="1600" dirty="0"/>
+          </a:p>
+        </p:txBody>
+      </p:sp>
+      <p:pic>
+        <p:nvPicPr>
+          <p:cNvPr id="6" name="그림 5">
+            <a:extLst>
+              <a:ext uri="{FF2B5EF4-FFF2-40B4-BE49-F238E27FC236}">
+                <a16:creationId xmlns:a16="http://schemas.microsoft.com/office/drawing/2014/main" id="{401B08D0-5B62-2293-8693-CBB9BE5C028B}"/>
+              </a:ext>
+            </a:extLst>
+          </p:cNvPr>
+          <p:cNvPicPr>
+            <a:picLocks noChangeAspect="1"/>
+          </p:cNvPicPr>
+          <p:nvPr/>
+        </p:nvPicPr>
+        <p:blipFill>
+          <a:blip r:embed="rId2"/>
+          <a:stretch>
+            <a:fillRect/>
+          </a:stretch>
+        </p:blipFill>
+        <p:spPr>
+          <a:xfrm>
+            <a:off x="3637072" y="780798"/>
+            <a:ext cx="5783041" cy="2648202"/>
+          </a:xfrm>
+          <a:prstGeom prst="rect">
+            <a:avLst/>
+          </a:prstGeom>
+        </p:spPr>
+      </p:pic>
+      <p:pic>
+        <p:nvPicPr>
+          <p:cNvPr id="10" name="그림 9">
+            <a:extLst>
+              <a:ext uri="{FF2B5EF4-FFF2-40B4-BE49-F238E27FC236}">
+                <a16:creationId xmlns:a16="http://schemas.microsoft.com/office/drawing/2014/main" id="{1309D0D1-0176-78A1-A150-DF77BBEBCD9A}"/>
+              </a:ext>
+            </a:extLst>
+          </p:cNvPr>
+          <p:cNvPicPr>
+            <a:picLocks noChangeAspect="1"/>
+          </p:cNvPicPr>
+          <p:nvPr/>
+        </p:nvPicPr>
+        <p:blipFill>
+          <a:blip r:embed="rId3"/>
+          <a:stretch>
+            <a:fillRect/>
+          </a:stretch>
+        </p:blipFill>
+        <p:spPr>
+          <a:xfrm>
+            <a:off x="3618836" y="4278050"/>
+            <a:ext cx="5819514" cy="1999657"/>
+          </a:xfrm>
+          <a:prstGeom prst="rect">
+            <a:avLst/>
+          </a:prstGeom>
+        </p:spPr>
+      </p:pic>
+    </p:spTree>
+    <p:extLst>
+      <p:ext uri="{BB962C8B-B14F-4D97-AF65-F5344CB8AC3E}">
+        <p14:creationId xmlns:p14="http://schemas.microsoft.com/office/powerpoint/2010/main" val="4161563433"/>
+      </p:ext>
+    </p:extLst>
+  </p:cSld>
+  <p:clrMapOvr>
+    <a:masterClrMapping/>
+  </p:clrMapOvr>
+</p:sld>
+</file>
+
+<file path=ppt/slides/slide11.xml><?xml version="1.0" encoding="utf-8"?>
+<p:sld xmlns:a="http://schemas.openxmlformats.org/drawingml/2006/main" xmlns:r="http://schemas.openxmlformats.org/officeDocument/2006/relationships" xmlns:p="http://schemas.openxmlformats.org/presentationml/2006/main">
+  <p:cSld>
+    <p:spTree>
+      <p:nvGrpSpPr>
+        <p:cNvPr id="1" name=""/>
+        <p:cNvGrpSpPr/>
+        <p:nvPr/>
+      </p:nvGrpSpPr>
+      <p:grpSpPr>
+        <a:xfrm>
+          <a:off x="0" y="0"/>
+          <a:ext cx="0" cy="0"/>
+          <a:chOff x="0" y="0"/>
+          <a:chExt cx="0" cy="0"/>
+        </a:xfrm>
+      </p:grpSpPr>
+      <p:sp>
+        <p:nvSpPr>
+          <p:cNvPr id="2" name="제목 1">
+            <a:extLst>
+              <a:ext uri="{FF2B5EF4-FFF2-40B4-BE49-F238E27FC236}">
+                <a16:creationId xmlns:a16="http://schemas.microsoft.com/office/drawing/2014/main" id="{67B75753-0105-56BB-A215-DDC75658F359}"/>
+              </a:ext>
+            </a:extLst>
+          </p:cNvPr>
+          <p:cNvSpPr>
+            <a:spLocks noGrp="1"/>
+          </p:cNvSpPr>
+          <p:nvPr>
+            <p:ph type="title"/>
+          </p:nvPr>
+        </p:nvSpPr>
+        <p:spPr>
+          <a:xfrm>
+            <a:off x="698938" y="0"/>
+            <a:ext cx="9601200" cy="522890"/>
+          </a:xfrm>
+        </p:spPr>
+        <p:txBody>
+          <a:bodyPr>
+            <a:normAutofit/>
+          </a:bodyPr>
+          <a:lstStyle/>
+          <a:p>
+            <a:r>
+              <a:rPr lang="ko-KR" altLang="en-US" sz="1600" dirty="0"/>
+              <a:t>정리하기</a:t>
+            </a:r>
+          </a:p>
+        </p:txBody>
+      </p:sp>
+      <p:pic>
+        <p:nvPicPr>
+          <p:cNvPr id="4" name="그림 3">
+            <a:extLst>
+              <a:ext uri="{FF2B5EF4-FFF2-40B4-BE49-F238E27FC236}">
+                <a16:creationId xmlns:a16="http://schemas.microsoft.com/office/drawing/2014/main" id="{C4BCA3BD-A26A-0AB8-7AC8-3DA4C7A748B5}"/>
+              </a:ext>
+            </a:extLst>
+          </p:cNvPr>
+          <p:cNvPicPr>
+            <a:picLocks noChangeAspect="1"/>
+          </p:cNvPicPr>
+          <p:nvPr/>
+        </p:nvPicPr>
+        <p:blipFill>
+          <a:blip r:embed="rId2"/>
+          <a:stretch>
+            <a:fillRect/>
+          </a:stretch>
+        </p:blipFill>
+        <p:spPr>
+          <a:xfrm>
+            <a:off x="3440906" y="0"/>
+            <a:ext cx="5310188" cy="6858000"/>
+          </a:xfrm>
+          <a:prstGeom prst="rect">
+            <a:avLst/>
+          </a:prstGeom>
+        </p:spPr>
+      </p:pic>
+    </p:spTree>
+    <p:extLst>
+      <p:ext uri="{BB962C8B-B14F-4D97-AF65-F5344CB8AC3E}">
+        <p14:creationId xmlns:p14="http://schemas.microsoft.com/office/powerpoint/2010/main" val="492334683"/>
+      </p:ext>
+    </p:extLst>
+  </p:cSld>
+  <p:clrMapOvr>
+    <a:masterClrMapping/>
+  </p:clrMapOvr>
+</p:sld>
+</file>
+
 <file path=ppt/slides/slide2.xml><?xml version="1.0" encoding="utf-8"?>
 <p:sld xmlns:a="http://schemas.openxmlformats.org/drawingml/2006/main" xmlns:r="http://schemas.openxmlformats.org/officeDocument/2006/relationships" xmlns:p="http://schemas.openxmlformats.org/presentationml/2006/main">
   <p:cSld>
@@ -5099,6 +5473,66 @@
           <a:xfrm>
             <a:off x="6392540" y="637189"/>
             <a:ext cx="5706954" cy="1547648"/>
+          </a:xfrm>
+          <a:prstGeom prst="rect">
+            <a:avLst/>
+          </a:prstGeom>
+        </p:spPr>
+      </p:pic>
+      <p:pic>
+        <p:nvPicPr>
+          <p:cNvPr id="5" name="그림 4">
+            <a:extLst>
+              <a:ext uri="{FF2B5EF4-FFF2-40B4-BE49-F238E27FC236}">
+                <a16:creationId xmlns:a16="http://schemas.microsoft.com/office/drawing/2014/main" id="{077F945D-C0BA-D9D5-B0E5-862E68F0620F}"/>
+              </a:ext>
+            </a:extLst>
+          </p:cNvPr>
+          <p:cNvPicPr>
+            <a:picLocks noChangeAspect="1"/>
+          </p:cNvPicPr>
+          <p:nvPr/>
+        </p:nvPicPr>
+        <p:blipFill>
+          <a:blip r:embed="rId4"/>
+          <a:stretch>
+            <a:fillRect/>
+          </a:stretch>
+        </p:blipFill>
+        <p:spPr>
+          <a:xfrm>
+            <a:off x="792195" y="3384016"/>
+            <a:ext cx="4933172" cy="2520598"/>
+          </a:xfrm>
+          <a:prstGeom prst="rect">
+            <a:avLst/>
+          </a:prstGeom>
+        </p:spPr>
+      </p:pic>
+      <p:pic>
+        <p:nvPicPr>
+          <p:cNvPr id="8" name="그림 7">
+            <a:extLst>
+              <a:ext uri="{FF2B5EF4-FFF2-40B4-BE49-F238E27FC236}">
+                <a16:creationId xmlns:a16="http://schemas.microsoft.com/office/drawing/2014/main" id="{B2D91F79-0F3F-9A92-5123-95361A763623}"/>
+              </a:ext>
+            </a:extLst>
+          </p:cNvPr>
+          <p:cNvPicPr>
+            <a:picLocks noChangeAspect="1"/>
+          </p:cNvPicPr>
+          <p:nvPr/>
+        </p:nvPicPr>
+        <p:blipFill>
+          <a:blip r:embed="rId5"/>
+          <a:stretch>
+            <a:fillRect/>
+          </a:stretch>
+        </p:blipFill>
+        <p:spPr>
+          <a:xfrm>
+            <a:off x="6392540" y="3673527"/>
+            <a:ext cx="5755795" cy="1941575"/>
           </a:xfrm>
           <a:prstGeom prst="rect">
             <a:avLst/>
